--- a/MSDS670_X40_Data Visualization_AssignmentWk6 - Ilse Severance.pptx
+++ b/MSDS670_X40_Data Visualization_AssignmentWk6 - Ilse Severance.pptx
@@ -119,281 +119,6 @@
 </p:presentation>
 </file>
 
-<file path=ppt/changesInfos/changesInfo1.xml><?xml version="1.0" encoding="utf-8"?>
-<pc:chgInfo xmlns:a="http://schemas.openxmlformats.org/drawingml/2006/main" xmlns:r="http://schemas.openxmlformats.org/officeDocument/2006/relationships" xmlns:ac="http://schemas.microsoft.com/office/drawing/2013/main/command" xmlns:pc="http://schemas.microsoft.com/office/powerpoint/2013/main/command">
-  <pc:docChgLst>
-    <pc:chgData name="Nathan Severance" userId="1a18d78a14edeefb" providerId="LiveId" clId="{72869ECB-5009-46E4-B19E-B11F8D37C651}"/>
-    <pc:docChg chg="undo custSel addSld delSld modSld">
-      <pc:chgData name="Nathan Severance" userId="1a18d78a14edeefb" providerId="LiveId" clId="{72869ECB-5009-46E4-B19E-B11F8D37C651}" dt="2026-02-14T22:39:00.416" v="433" actId="14100"/>
-      <pc:docMkLst>
-        <pc:docMk/>
-      </pc:docMkLst>
-      <pc:sldChg chg="modSp mod">
-        <pc:chgData name="Nathan Severance" userId="1a18d78a14edeefb" providerId="LiveId" clId="{72869ECB-5009-46E4-B19E-B11F8D37C651}" dt="2026-02-14T22:17:56.809" v="1" actId="20577"/>
-        <pc:sldMkLst>
-          <pc:docMk/>
-          <pc:sldMk cId="659868273" sldId="256"/>
-        </pc:sldMkLst>
-        <pc:spChg chg="mod">
-          <ac:chgData name="Nathan Severance" userId="1a18d78a14edeefb" providerId="LiveId" clId="{72869ECB-5009-46E4-B19E-B11F8D37C651}" dt="2026-02-14T22:17:56.809" v="1" actId="20577"/>
-          <ac:spMkLst>
-            <pc:docMk/>
-            <pc:sldMk cId="659868273" sldId="256"/>
-            <ac:spMk id="3" creationId="{8DCBC2B6-3355-C804-7288-D09406F35CBB}"/>
-          </ac:spMkLst>
-        </pc:spChg>
-      </pc:sldChg>
-      <pc:sldChg chg="del">
-        <pc:chgData name="Nathan Severance" userId="1a18d78a14edeefb" providerId="LiveId" clId="{72869ECB-5009-46E4-B19E-B11F8D37C651}" dt="2026-02-14T22:18:06.965" v="11" actId="47"/>
-        <pc:sldMkLst>
-          <pc:docMk/>
-          <pc:sldMk cId="3061127224" sldId="257"/>
-        </pc:sldMkLst>
-      </pc:sldChg>
-      <pc:sldChg chg="del">
-        <pc:chgData name="Nathan Severance" userId="1a18d78a14edeefb" providerId="LiveId" clId="{72869ECB-5009-46E4-B19E-B11F8D37C651}" dt="2026-02-14T22:18:09.697" v="13" actId="47"/>
-        <pc:sldMkLst>
-          <pc:docMk/>
-          <pc:sldMk cId="81832231" sldId="259"/>
-        </pc:sldMkLst>
-      </pc:sldChg>
-      <pc:sldChg chg="del">
-        <pc:chgData name="Nathan Severance" userId="1a18d78a14edeefb" providerId="LiveId" clId="{72869ECB-5009-46E4-B19E-B11F8D37C651}" dt="2026-02-14T22:18:08.677" v="12" actId="47"/>
-        <pc:sldMkLst>
-          <pc:docMk/>
-          <pc:sldMk cId="314594156" sldId="260"/>
-        </pc:sldMkLst>
-      </pc:sldChg>
-      <pc:sldChg chg="modSp mod">
-        <pc:chgData name="Nathan Severance" userId="1a18d78a14edeefb" providerId="LiveId" clId="{72869ECB-5009-46E4-B19E-B11F8D37C651}" dt="2026-02-14T22:18:14.213" v="14" actId="20577"/>
-        <pc:sldMkLst>
-          <pc:docMk/>
-          <pc:sldMk cId="1760014349" sldId="261"/>
-        </pc:sldMkLst>
-        <pc:spChg chg="mod">
-          <ac:chgData name="Nathan Severance" userId="1a18d78a14edeefb" providerId="LiveId" clId="{72869ECB-5009-46E4-B19E-B11F8D37C651}" dt="2026-02-14T22:18:14.213" v="14" actId="20577"/>
-          <ac:spMkLst>
-            <pc:docMk/>
-            <pc:sldMk cId="1760014349" sldId="261"/>
-            <ac:spMk id="3" creationId="{C47C8D3E-8E53-0A00-E368-9482D92859D7}"/>
-          </ac:spMkLst>
-        </pc:spChg>
-      </pc:sldChg>
-      <pc:sldChg chg="modSp new mod">
-        <pc:chgData name="Nathan Severance" userId="1a18d78a14edeefb" providerId="LiveId" clId="{72869ECB-5009-46E4-B19E-B11F8D37C651}" dt="2026-02-14T22:18:04.910" v="10" actId="20577"/>
-        <pc:sldMkLst>
-          <pc:docMk/>
-          <pc:sldMk cId="1701116318" sldId="262"/>
-        </pc:sldMkLst>
-        <pc:spChg chg="mod">
-          <ac:chgData name="Nathan Severance" userId="1a18d78a14edeefb" providerId="LiveId" clId="{72869ECB-5009-46E4-B19E-B11F8D37C651}" dt="2026-02-14T22:18:04.910" v="10" actId="20577"/>
-          <ac:spMkLst>
-            <pc:docMk/>
-            <pc:sldMk cId="1701116318" sldId="262"/>
-            <ac:spMk id="2" creationId="{273F97A5-6CA1-2345-8988-8650BAF103F7}"/>
-          </ac:spMkLst>
-        </pc:spChg>
-      </pc:sldChg>
-      <pc:sldChg chg="addSp delSp modSp new mod">
-        <pc:chgData name="Nathan Severance" userId="1a18d78a14edeefb" providerId="LiveId" clId="{72869ECB-5009-46E4-B19E-B11F8D37C651}" dt="2026-02-14T22:35:52.807" v="268" actId="1076"/>
-        <pc:sldMkLst>
-          <pc:docMk/>
-          <pc:sldMk cId="3389465078" sldId="263"/>
-        </pc:sldMkLst>
-        <pc:spChg chg="mod">
-          <ac:chgData name="Nathan Severance" userId="1a18d78a14edeefb" providerId="LiveId" clId="{72869ECB-5009-46E4-B19E-B11F8D37C651}" dt="2026-02-14T22:21:59.296" v="194" actId="20577"/>
-          <ac:spMkLst>
-            <pc:docMk/>
-            <pc:sldMk cId="3389465078" sldId="263"/>
-            <ac:spMk id="2" creationId="{FBE99AF5-117A-A0CB-E752-4A4F1C625089}"/>
-          </ac:spMkLst>
-        </pc:spChg>
-        <pc:spChg chg="mod">
-          <ac:chgData name="Nathan Severance" userId="1a18d78a14edeefb" providerId="LiveId" clId="{72869ECB-5009-46E4-B19E-B11F8D37C651}" dt="2026-02-14T22:21:03.137" v="88" actId="14100"/>
-          <ac:spMkLst>
-            <pc:docMk/>
-            <pc:sldMk cId="3389465078" sldId="263"/>
-            <ac:spMk id="3" creationId="{CD8A4C73-E3FD-0E2D-FBA4-CF19607F780C}"/>
-          </ac:spMkLst>
-        </pc:spChg>
-        <pc:picChg chg="add del mod">
-          <ac:chgData name="Nathan Severance" userId="1a18d78a14edeefb" providerId="LiveId" clId="{72869ECB-5009-46E4-B19E-B11F8D37C651}" dt="2026-02-14T22:35:48.094" v="265" actId="478"/>
-          <ac:picMkLst>
-            <pc:docMk/>
-            <pc:sldMk cId="3389465078" sldId="263"/>
-            <ac:picMk id="5" creationId="{68302229-E0C8-823B-2102-8FB02A86F8C9}"/>
-          </ac:picMkLst>
-        </pc:picChg>
-        <pc:picChg chg="add mod">
-          <ac:chgData name="Nathan Severance" userId="1a18d78a14edeefb" providerId="LiveId" clId="{72869ECB-5009-46E4-B19E-B11F8D37C651}" dt="2026-02-14T22:35:52.807" v="268" actId="1076"/>
-          <ac:picMkLst>
-            <pc:docMk/>
-            <pc:sldMk cId="3389465078" sldId="263"/>
-            <ac:picMk id="7" creationId="{315F1542-D7A6-6E42-BF29-CE9543630CD1}"/>
-          </ac:picMkLst>
-        </pc:picChg>
-      </pc:sldChg>
-      <pc:sldChg chg="addSp delSp modSp new mod">
-        <pc:chgData name="Nathan Severance" userId="1a18d78a14edeefb" providerId="LiveId" clId="{72869ECB-5009-46E4-B19E-B11F8D37C651}" dt="2026-02-14T22:36:07.401" v="274" actId="20577"/>
-        <pc:sldMkLst>
-          <pc:docMk/>
-          <pc:sldMk cId="1940125729" sldId="264"/>
-        </pc:sldMkLst>
-        <pc:spChg chg="mod">
-          <ac:chgData name="Nathan Severance" userId="1a18d78a14edeefb" providerId="LiveId" clId="{72869ECB-5009-46E4-B19E-B11F8D37C651}" dt="2026-02-14T22:36:07.401" v="274" actId="20577"/>
-          <ac:spMkLst>
-            <pc:docMk/>
-            <pc:sldMk cId="1940125729" sldId="264"/>
-            <ac:spMk id="2" creationId="{F5306D2E-51CD-0B6C-2666-041463C9606F}"/>
-          </ac:spMkLst>
-        </pc:spChg>
-        <pc:spChg chg="mod">
-          <ac:chgData name="Nathan Severance" userId="1a18d78a14edeefb" providerId="LiveId" clId="{72869ECB-5009-46E4-B19E-B11F8D37C651}" dt="2026-02-14T22:22:12.440" v="195" actId="14100"/>
-          <ac:spMkLst>
-            <pc:docMk/>
-            <pc:sldMk cId="1940125729" sldId="264"/>
-            <ac:spMk id="3" creationId="{9CAA2CB7-DB66-7EA2-FB2C-904784C740DB}"/>
-          </ac:spMkLst>
-        </pc:spChg>
-        <pc:picChg chg="add del mod">
-          <ac:chgData name="Nathan Severance" userId="1a18d78a14edeefb" providerId="LiveId" clId="{72869ECB-5009-46E4-B19E-B11F8D37C651}" dt="2026-02-14T22:35:55.502" v="269" actId="478"/>
-          <ac:picMkLst>
-            <pc:docMk/>
-            <pc:sldMk cId="1940125729" sldId="264"/>
-            <ac:picMk id="5" creationId="{F63295C7-06E0-8CCC-9143-50121418F357}"/>
-          </ac:picMkLst>
-        </pc:picChg>
-        <pc:picChg chg="add mod">
-          <ac:chgData name="Nathan Severance" userId="1a18d78a14edeefb" providerId="LiveId" clId="{72869ECB-5009-46E4-B19E-B11F8D37C651}" dt="2026-02-14T22:36:03.558" v="271" actId="1076"/>
-          <ac:picMkLst>
-            <pc:docMk/>
-            <pc:sldMk cId="1940125729" sldId="264"/>
-            <ac:picMk id="7" creationId="{29F4F8EE-14F6-C68B-57EE-BEC0438D6081}"/>
-          </ac:picMkLst>
-        </pc:picChg>
-      </pc:sldChg>
-      <pc:sldChg chg="addSp delSp modSp new mod">
-        <pc:chgData name="Nathan Severance" userId="1a18d78a14edeefb" providerId="LiveId" clId="{72869ECB-5009-46E4-B19E-B11F8D37C651}" dt="2026-02-14T22:36:29.516" v="282" actId="14100"/>
-        <pc:sldMkLst>
-          <pc:docMk/>
-          <pc:sldMk cId="2301477384" sldId="265"/>
-        </pc:sldMkLst>
-        <pc:spChg chg="mod">
-          <ac:chgData name="Nathan Severance" userId="1a18d78a14edeefb" providerId="LiveId" clId="{72869ECB-5009-46E4-B19E-B11F8D37C651}" dt="2026-02-14T22:36:13.063" v="275" actId="20577"/>
-          <ac:spMkLst>
-            <pc:docMk/>
-            <pc:sldMk cId="2301477384" sldId="265"/>
-            <ac:spMk id="2" creationId="{4E911975-54EB-59E2-5BD0-DDAA9CC60305}"/>
-          </ac:spMkLst>
-        </pc:spChg>
-        <pc:spChg chg="add del mod">
-          <ac:chgData name="Nathan Severance" userId="1a18d78a14edeefb" providerId="LiveId" clId="{72869ECB-5009-46E4-B19E-B11F8D37C651}" dt="2026-02-14T22:23:18.532" v="257" actId="22"/>
-          <ac:spMkLst>
-            <pc:docMk/>
-            <pc:sldMk cId="2301477384" sldId="265"/>
-            <ac:spMk id="3" creationId="{47E4CCA0-9FFE-FA6D-8CF4-1EF29B192CBE}"/>
-          </ac:spMkLst>
-        </pc:spChg>
-        <pc:picChg chg="add del mod ord">
-          <ac:chgData name="Nathan Severance" userId="1a18d78a14edeefb" providerId="LiveId" clId="{72869ECB-5009-46E4-B19E-B11F8D37C651}" dt="2026-02-14T22:23:18.532" v="257" actId="22"/>
-          <ac:picMkLst>
-            <pc:docMk/>
-            <pc:sldMk cId="2301477384" sldId="265"/>
-            <ac:picMk id="5" creationId="{2D8A8FC4-DD02-739F-B99C-50154C821033}"/>
-          </ac:picMkLst>
-        </pc:picChg>
-        <pc:picChg chg="add del mod">
-          <ac:chgData name="Nathan Severance" userId="1a18d78a14edeefb" providerId="LiveId" clId="{72869ECB-5009-46E4-B19E-B11F8D37C651}" dt="2026-02-14T22:36:15.204" v="276" actId="478"/>
-          <ac:picMkLst>
-            <pc:docMk/>
-            <pc:sldMk cId="2301477384" sldId="265"/>
-            <ac:picMk id="7" creationId="{4A5AEAB7-7371-BFF2-1E05-F1B3757739AF}"/>
-          </ac:picMkLst>
-        </pc:picChg>
-        <pc:picChg chg="add mod">
-          <ac:chgData name="Nathan Severance" userId="1a18d78a14edeefb" providerId="LiveId" clId="{72869ECB-5009-46E4-B19E-B11F8D37C651}" dt="2026-02-14T22:36:29.516" v="282" actId="14100"/>
-          <ac:picMkLst>
-            <pc:docMk/>
-            <pc:sldMk cId="2301477384" sldId="265"/>
-            <ac:picMk id="9" creationId="{37C72F77-AE52-817B-943E-C702136B975A}"/>
-          </ac:picMkLst>
-        </pc:picChg>
-      </pc:sldChg>
-      <pc:sldChg chg="addSp delSp modSp new mod">
-        <pc:chgData name="Nathan Severance" userId="1a18d78a14edeefb" providerId="LiveId" clId="{72869ECB-5009-46E4-B19E-B11F8D37C651}" dt="2026-02-14T22:38:14.491" v="368" actId="1076"/>
-        <pc:sldMkLst>
-          <pc:docMk/>
-          <pc:sldMk cId="2673003676" sldId="266"/>
-        </pc:sldMkLst>
-        <pc:spChg chg="mod">
-          <ac:chgData name="Nathan Severance" userId="1a18d78a14edeefb" providerId="LiveId" clId="{72869ECB-5009-46E4-B19E-B11F8D37C651}" dt="2026-02-14T22:38:14.491" v="368" actId="1076"/>
-          <ac:spMkLst>
-            <pc:docMk/>
-            <pc:sldMk cId="2673003676" sldId="266"/>
-            <ac:spMk id="2" creationId="{B033EE1D-E425-3A7D-3A2C-91397C576EEC}"/>
-          </ac:spMkLst>
-        </pc:spChg>
-        <pc:spChg chg="mod">
-          <ac:chgData name="Nathan Severance" userId="1a18d78a14edeefb" providerId="LiveId" clId="{72869ECB-5009-46E4-B19E-B11F8D37C651}" dt="2026-02-14T22:23:37.339" v="262" actId="14100"/>
-          <ac:spMkLst>
-            <pc:docMk/>
-            <pc:sldMk cId="2673003676" sldId="266"/>
-            <ac:spMk id="3" creationId="{CBE64EBF-8B38-6EFA-2749-2FD6F41CD808}"/>
-          </ac:spMkLst>
-        </pc:spChg>
-        <pc:picChg chg="add del mod">
-          <ac:chgData name="Nathan Severance" userId="1a18d78a14edeefb" providerId="LiveId" clId="{72869ECB-5009-46E4-B19E-B11F8D37C651}" dt="2026-02-14T22:36:37.071" v="283" actId="478"/>
-          <ac:picMkLst>
-            <pc:docMk/>
-            <pc:sldMk cId="2673003676" sldId="266"/>
-            <ac:picMk id="5" creationId="{E3450CA8-DF4D-1566-FFDF-CB41BE8281E6}"/>
-          </ac:picMkLst>
-        </pc:picChg>
-        <pc:picChg chg="add mod">
-          <ac:chgData name="Nathan Severance" userId="1a18d78a14edeefb" providerId="LiveId" clId="{72869ECB-5009-46E4-B19E-B11F8D37C651}" dt="2026-02-14T22:36:51.311" v="290" actId="1076"/>
-          <ac:picMkLst>
-            <pc:docMk/>
-            <pc:sldMk cId="2673003676" sldId="266"/>
-            <ac:picMk id="7" creationId="{1324565C-1BB5-27F8-B8D1-6090677D13D4}"/>
-          </ac:picMkLst>
-        </pc:picChg>
-      </pc:sldChg>
-      <pc:sldChg chg="addSp modSp new mod">
-        <pc:chgData name="Nathan Severance" userId="1a18d78a14edeefb" providerId="LiveId" clId="{72869ECB-5009-46E4-B19E-B11F8D37C651}" dt="2026-02-14T22:39:00.416" v="433" actId="14100"/>
-        <pc:sldMkLst>
-          <pc:docMk/>
-          <pc:sldMk cId="2383115997" sldId="267"/>
-        </pc:sldMkLst>
-        <pc:spChg chg="mod">
-          <ac:chgData name="Nathan Severance" userId="1a18d78a14edeefb" providerId="LiveId" clId="{72869ECB-5009-46E4-B19E-B11F8D37C651}" dt="2026-02-14T22:38:52.313" v="430" actId="1076"/>
-          <ac:spMkLst>
-            <pc:docMk/>
-            <pc:sldMk cId="2383115997" sldId="267"/>
-            <ac:spMk id="2" creationId="{89AFC7F0-F9E8-FF4F-531C-5E86C4139DCC}"/>
-          </ac:spMkLst>
-        </pc:spChg>
-        <pc:spChg chg="mod">
-          <ac:chgData name="Nathan Severance" userId="1a18d78a14edeefb" providerId="LiveId" clId="{72869ECB-5009-46E4-B19E-B11F8D37C651}" dt="2026-02-14T22:39:00.416" v="433" actId="14100"/>
-          <ac:spMkLst>
-            <pc:docMk/>
-            <pc:sldMk cId="2383115997" sldId="267"/>
-            <ac:spMk id="3" creationId="{8E90069A-76D7-22D9-5E2B-1F064096DFC6}"/>
-          </ac:spMkLst>
-        </pc:spChg>
-        <pc:picChg chg="add mod">
-          <ac:chgData name="Nathan Severance" userId="1a18d78a14edeefb" providerId="LiveId" clId="{72869ECB-5009-46E4-B19E-B11F8D37C651}" dt="2026-02-14T22:38:54.193" v="431" actId="1076"/>
-          <ac:picMkLst>
-            <pc:docMk/>
-            <pc:sldMk cId="2383115997" sldId="267"/>
-            <ac:picMk id="5" creationId="{A21B82CE-D8B1-F473-0154-228EF07D6CBC}"/>
-          </ac:picMkLst>
-        </pc:picChg>
-      </pc:sldChg>
-    </pc:docChg>
-  </pc:docChgLst>
-</pc:chgInfo>
-</file>
-
 <file path=ppt/slideLayouts/slideLayout1.xml><?xml version="1.0" encoding="utf-8"?>
 <p:sldLayout xmlns:a="http://schemas.openxmlformats.org/drawingml/2006/main" xmlns:r="http://schemas.openxmlformats.org/officeDocument/2006/relationships" xmlns:p="http://schemas.openxmlformats.org/presentationml/2006/main" type="title" preserve="1">
   <p:cSld name="Title Slide">
@@ -541,7 +266,7 @@
           <a:p>
             <a:fld id="{21390B68-90BC-41A7-8C66-2C86ECFC29D1}" type="datetimeFigureOut">
               <a:rPr lang="en-US" smtClean="0"/>
-              <a:t>2/14/2026</a:t>
+              <a:t>2/21/2026</a:t>
             </a:fld>
             <a:endParaRPr lang="en-US"/>
           </a:p>
@@ -739,7 +464,7 @@
           <a:p>
             <a:fld id="{21390B68-90BC-41A7-8C66-2C86ECFC29D1}" type="datetimeFigureOut">
               <a:rPr lang="en-US" smtClean="0"/>
-              <a:t>2/14/2026</a:t>
+              <a:t>2/21/2026</a:t>
             </a:fld>
             <a:endParaRPr lang="en-US"/>
           </a:p>
@@ -947,7 +672,7 @@
           <a:p>
             <a:fld id="{21390B68-90BC-41A7-8C66-2C86ECFC29D1}" type="datetimeFigureOut">
               <a:rPr lang="en-US" smtClean="0"/>
-              <a:t>2/14/2026</a:t>
+              <a:t>2/21/2026</a:t>
             </a:fld>
             <a:endParaRPr lang="en-US"/>
           </a:p>
@@ -1145,7 +870,7 @@
           <a:p>
             <a:fld id="{21390B68-90BC-41A7-8C66-2C86ECFC29D1}" type="datetimeFigureOut">
               <a:rPr lang="en-US" smtClean="0"/>
-              <a:t>2/14/2026</a:t>
+              <a:t>2/21/2026</a:t>
             </a:fld>
             <a:endParaRPr lang="en-US"/>
           </a:p>
@@ -1420,7 +1145,7 @@
           <a:p>
             <a:fld id="{21390B68-90BC-41A7-8C66-2C86ECFC29D1}" type="datetimeFigureOut">
               <a:rPr lang="en-US" smtClean="0"/>
-              <a:t>2/14/2026</a:t>
+              <a:t>2/21/2026</a:t>
             </a:fld>
             <a:endParaRPr lang="en-US"/>
           </a:p>
@@ -1685,7 +1410,7 @@
           <a:p>
             <a:fld id="{21390B68-90BC-41A7-8C66-2C86ECFC29D1}" type="datetimeFigureOut">
               <a:rPr lang="en-US" smtClean="0"/>
-              <a:t>2/14/2026</a:t>
+              <a:t>2/21/2026</a:t>
             </a:fld>
             <a:endParaRPr lang="en-US"/>
           </a:p>
@@ -2097,7 +1822,7 @@
           <a:p>
             <a:fld id="{21390B68-90BC-41A7-8C66-2C86ECFC29D1}" type="datetimeFigureOut">
               <a:rPr lang="en-US" smtClean="0"/>
-              <a:t>2/14/2026</a:t>
+              <a:t>2/21/2026</a:t>
             </a:fld>
             <a:endParaRPr lang="en-US"/>
           </a:p>
@@ -2238,7 +1963,7 @@
           <a:p>
             <a:fld id="{21390B68-90BC-41A7-8C66-2C86ECFC29D1}" type="datetimeFigureOut">
               <a:rPr lang="en-US" smtClean="0"/>
-              <a:t>2/14/2026</a:t>
+              <a:t>2/21/2026</a:t>
             </a:fld>
             <a:endParaRPr lang="en-US"/>
           </a:p>
@@ -2351,7 +2076,7 @@
           <a:p>
             <a:fld id="{21390B68-90BC-41A7-8C66-2C86ECFC29D1}" type="datetimeFigureOut">
               <a:rPr lang="en-US" smtClean="0"/>
-              <a:t>2/14/2026</a:t>
+              <a:t>2/21/2026</a:t>
             </a:fld>
             <a:endParaRPr lang="en-US"/>
           </a:p>
@@ -2662,7 +2387,7 @@
           <a:p>
             <a:fld id="{21390B68-90BC-41A7-8C66-2C86ECFC29D1}" type="datetimeFigureOut">
               <a:rPr lang="en-US" smtClean="0"/>
-              <a:t>2/14/2026</a:t>
+              <a:t>2/21/2026</a:t>
             </a:fld>
             <a:endParaRPr lang="en-US"/>
           </a:p>
@@ -2950,7 +2675,7 @@
           <a:p>
             <a:fld id="{21390B68-90BC-41A7-8C66-2C86ECFC29D1}" type="datetimeFigureOut">
               <a:rPr lang="en-US" smtClean="0"/>
-              <a:t>2/14/2026</a:t>
+              <a:t>2/21/2026</a:t>
             </a:fld>
             <a:endParaRPr lang="en-US"/>
           </a:p>
@@ -3191,7 +2916,7 @@
           <a:p>
             <a:fld id="{21390B68-90BC-41A7-8C66-2C86ECFC29D1}" type="datetimeFigureOut">
               <a:rPr lang="en-US" smtClean="0"/>
-              <a:t>2/14/2026</a:t>
+              <a:t>2/21/2026</a:t>
             </a:fld>
             <a:endParaRPr lang="en-US"/>
           </a:p>
@@ -4336,7 +4061,16 @@
           <a:bodyPr/>
           <a:lstStyle/>
           <a:p>
-            <a:endParaRPr lang="en-US"/>
+            <a:pPr marL="0" indent="0">
+              <a:buNone/>
+            </a:pPr>
+            <a:r>
+              <a:rPr lang="en-US" dirty="0"/>
+              <a:t>During this analysis, we aim to understand the relationship between gaming monetization behavior and indicators of mental health and social well being by evaluating monthly spending patterns alongside addiction risk levels, mood state, and social interaction metrics to determine whether high revenue engagement reflects healthy participation or signals elevated behavioral risk. The goal is to clarify whether rising spending represents genuine customer value or the beginnings of unhealthy dependency.</a:t>
+            </a:r>
+          </a:p>
+          <a:p>
+            <a:endParaRPr lang="en-US" dirty="0"/>
           </a:p>
         </p:txBody>
       </p:sp>
@@ -4423,24 +4157,44 @@
         </p:nvSpPr>
         <p:spPr>
           <a:xfrm>
-            <a:off x="458429" y="4837470"/>
-            <a:ext cx="11412794" cy="1852049"/>
+            <a:off x="389603" y="4682835"/>
+            <a:ext cx="11412794" cy="2006684"/>
           </a:xfrm>
         </p:spPr>
         <p:txBody>
-          <a:bodyPr/>
-          <a:lstStyle/>
-          <a:p>
-            <a:endParaRPr lang="en-US" dirty="0"/>
+          <a:bodyPr>
+            <a:normAutofit fontScale="85000" lnSpcReduction="20000"/>
+          </a:bodyPr>
+          <a:lstStyle/>
+          <a:p>
+            <a:pPr fontAlgn="ctr"/>
+            <a:r>
+              <a:rPr lang="en-US" dirty="0"/>
+              <a:t>Average monthly spending increases noticeably as addiction‑risk levels rise, with high and severe risk users spending significantly more than low risk users.</a:t>
+            </a:r>
+          </a:p>
+          <a:p>
+            <a:pPr fontAlgn="ctr"/>
+            <a:r>
+              <a:rPr lang="en-US" dirty="0"/>
+              <a:t>The pattern shows that the financial spending is strongly connected to behavioral intensity.</a:t>
+            </a:r>
+          </a:p>
+          <a:p>
+            <a:pPr fontAlgn="ctr"/>
+            <a:r>
+              <a:rPr lang="en-US" dirty="0"/>
+              <a:t>From a business perspective, this means a substantial revenue may be coming from users who show elevated risk levels.</a:t>
+            </a:r>
           </a:p>
         </p:txBody>
       </p:sp>
       <p:pic>
         <p:nvPicPr>
-          <p:cNvPr id="7" name="Picture 6">
-            <a:extLst>
-              <a:ext uri="{FF2B5EF4-FFF2-40B4-BE49-F238E27FC236}">
-                <a16:creationId xmlns:a16="http://schemas.microsoft.com/office/drawing/2014/main" id="{315F1542-D7A6-6E42-BF29-CE9543630CD1}"/>
+          <p:cNvPr id="5" name="Picture 4">
+            <a:extLst>
+              <a:ext uri="{FF2B5EF4-FFF2-40B4-BE49-F238E27FC236}">
+                <a16:creationId xmlns:a16="http://schemas.microsoft.com/office/drawing/2014/main" id="{D58062EA-58DA-CD3E-1700-0318B92E4764}"/>
               </a:ext>
             </a:extLst>
           </p:cNvPr>
@@ -4457,8 +4211,8 @@
         </p:blipFill>
         <p:spPr>
           <a:xfrm>
-            <a:off x="3138180" y="825911"/>
-            <a:ext cx="5915640" cy="3669194"/>
+            <a:off x="3189597" y="908978"/>
+            <a:ext cx="5950458" cy="3690790"/>
           </a:xfrm>
           <a:prstGeom prst="rect">
             <a:avLst/>
@@ -4546,24 +4300,44 @@
         </p:nvSpPr>
         <p:spPr>
           <a:xfrm>
-            <a:off x="7177548" y="1825625"/>
-            <a:ext cx="4176252" cy="4351338"/>
+            <a:off x="7177548" y="1667669"/>
+            <a:ext cx="4834343" cy="4859097"/>
           </a:xfrm>
         </p:spPr>
         <p:txBody>
-          <a:bodyPr/>
-          <a:lstStyle/>
-          <a:p>
-            <a:endParaRPr lang="en-US" dirty="0"/>
+          <a:bodyPr>
+            <a:normAutofit fontScale="85000" lnSpcReduction="10000"/>
+          </a:bodyPr>
+          <a:lstStyle/>
+          <a:p>
+            <a:pPr fontAlgn="ctr"/>
+            <a:r>
+              <a:rPr lang="en-US" dirty="0"/>
+              <a:t>Platforms like PC and console show the highest concentration of severe risk users, indicating stronger ties between platform and elevated spending risk.</a:t>
+            </a:r>
+          </a:p>
+          <a:p>
+            <a:pPr fontAlgn="ctr"/>
+            <a:r>
+              <a:rPr lang="en-US" dirty="0"/>
+              <a:t>Mobile and multi‑platform players also show increasing risk levels, but the rise is less abrupt compared to PC, suggesting platform may influence vulnerability differently.</a:t>
+            </a:r>
+          </a:p>
+          <a:p>
+            <a:pPr fontAlgn="ctr"/>
+            <a:r>
+              <a:rPr lang="en-US" dirty="0"/>
+              <a:t>These differences imply that certain platforms and monetization may contribute to higher behavioral risk exposure.</a:t>
+            </a:r>
           </a:p>
         </p:txBody>
       </p:sp>
       <p:pic>
         <p:nvPicPr>
-          <p:cNvPr id="7" name="Picture 6">
-            <a:extLst>
-              <a:ext uri="{FF2B5EF4-FFF2-40B4-BE49-F238E27FC236}">
-                <a16:creationId xmlns:a16="http://schemas.microsoft.com/office/drawing/2014/main" id="{29F4F8EE-14F6-C68B-57EE-BEC0438D6081}"/>
+          <p:cNvPr id="5" name="Picture 4">
+            <a:extLst>
+              <a:ext uri="{FF2B5EF4-FFF2-40B4-BE49-F238E27FC236}">
+                <a16:creationId xmlns:a16="http://schemas.microsoft.com/office/drawing/2014/main" id="{E46ECDD5-1EC4-EBF5-B984-C0EDF5C140E5}"/>
               </a:ext>
             </a:extLst>
           </p:cNvPr>
@@ -4580,8 +4354,8 @@
         </p:blipFill>
         <p:spPr>
           <a:xfrm>
-            <a:off x="290973" y="1667669"/>
-            <a:ext cx="6886575" cy="4667250"/>
+            <a:off x="180109" y="1498841"/>
+            <a:ext cx="6838950" cy="4667250"/>
           </a:xfrm>
           <a:prstGeom prst="rect">
             <a:avLst/>
@@ -4664,24 +4438,44 @@
         </p:nvSpPr>
         <p:spPr>
           <a:xfrm>
-            <a:off x="7285702" y="1825625"/>
-            <a:ext cx="4068097" cy="4351338"/>
+            <a:off x="7408675" y="1794285"/>
+            <a:ext cx="4643062" cy="4201102"/>
           </a:xfrm>
         </p:spPr>
         <p:txBody>
-          <a:bodyPr/>
-          <a:lstStyle/>
-          <a:p>
-            <a:endParaRPr lang="en-US"/>
+          <a:bodyPr>
+            <a:normAutofit fontScale="85000" lnSpcReduction="10000"/>
+          </a:bodyPr>
+          <a:lstStyle/>
+          <a:p>
+            <a:pPr fontAlgn="ctr"/>
+            <a:r>
+              <a:rPr lang="en-US" dirty="0"/>
+              <a:t>Negative or unstable mood states are linked to higher spending, with high, and severe risk users spending the most.</a:t>
+            </a:r>
+          </a:p>
+          <a:p>
+            <a:pPr fontAlgn="ctr"/>
+            <a:r>
+              <a:rPr lang="en-US" dirty="0"/>
+              <a:t>Spending patterns suggest some users may be using gaming as emotional regulation, not just entertainment.</a:t>
+            </a:r>
+          </a:p>
+          <a:p>
+            <a:pPr fontAlgn="ctr"/>
+            <a:r>
+              <a:rPr lang="en-US" dirty="0"/>
+              <a:t>This raises ethical concerns for businesses, as monetization may disproportionately affect emotionally vulnerable users.</a:t>
+            </a:r>
           </a:p>
         </p:txBody>
       </p:sp>
       <p:pic>
         <p:nvPicPr>
-          <p:cNvPr id="9" name="Picture 8">
-            <a:extLst>
-              <a:ext uri="{FF2B5EF4-FFF2-40B4-BE49-F238E27FC236}">
-                <a16:creationId xmlns:a16="http://schemas.microsoft.com/office/drawing/2014/main" id="{37C72F77-AE52-817B-943E-C702136B975A}"/>
+          <p:cNvPr id="5" name="Picture 4">
+            <a:extLst>
+              <a:ext uri="{FF2B5EF4-FFF2-40B4-BE49-F238E27FC236}">
+                <a16:creationId xmlns:a16="http://schemas.microsoft.com/office/drawing/2014/main" id="{E06C2E3D-0DBA-4F89-DD5A-C13AB6966E84}"/>
               </a:ext>
             </a:extLst>
           </p:cNvPr>
@@ -4698,8 +4492,8 @@
         </p:blipFill>
         <p:spPr>
           <a:xfrm>
-            <a:off x="140263" y="1897626"/>
-            <a:ext cx="6831136" cy="3994421"/>
+            <a:off x="140263" y="1794285"/>
+            <a:ext cx="7184598" cy="4201103"/>
           </a:xfrm>
           <a:prstGeom prst="rect">
             <a:avLst/>
@@ -4789,24 +4583,47 @@
         </p:nvSpPr>
         <p:spPr>
           <a:xfrm>
-            <a:off x="7551174" y="1825625"/>
-            <a:ext cx="3802626" cy="4351338"/>
+            <a:off x="7065818" y="1640036"/>
+            <a:ext cx="4973782" cy="4755284"/>
           </a:xfrm>
         </p:spPr>
         <p:txBody>
-          <a:bodyPr/>
-          <a:lstStyle/>
-          <a:p>
-            <a:endParaRPr lang="en-US"/>
+          <a:bodyPr>
+            <a:normAutofit/>
+          </a:bodyPr>
+          <a:lstStyle/>
+          <a:p>
+            <a:pPr fontAlgn="ctr"/>
+            <a:r>
+              <a:rPr lang="en-US" sz="2400" dirty="0"/>
+              <a:t>The data shows users that increase their monthly game spending, tend to have fewer in-person social hours.</a:t>
+            </a:r>
+          </a:p>
+          <a:p>
+            <a:pPr fontAlgn="ctr"/>
+            <a:r>
+              <a:rPr lang="en-US" sz="2400" dirty="0"/>
+              <a:t>The clustering of high spenders at low social interaction levels suggests a possible behavioral effect.</a:t>
+            </a:r>
+          </a:p>
+          <a:p>
+            <a:pPr fontAlgn="ctr"/>
+            <a:r>
+              <a:rPr lang="en-US" sz="2400" dirty="0"/>
+              <a:t>If this pattern drives growth, it could raise concerns about users balance over time.</a:t>
+            </a:r>
+          </a:p>
+          <a:p>
+            <a:endParaRPr lang="en-US" sz="2400" dirty="0"/>
           </a:p>
         </p:txBody>
       </p:sp>
       <p:pic>
         <p:nvPicPr>
-          <p:cNvPr id="7" name="Picture 6">
-            <a:extLst>
-              <a:ext uri="{FF2B5EF4-FFF2-40B4-BE49-F238E27FC236}">
-                <a16:creationId xmlns:a16="http://schemas.microsoft.com/office/drawing/2014/main" id="{1324565C-1BB5-27F8-B8D1-6090677D13D4}"/>
+          <p:cNvPr id="5" name="Picture 4">
+            <a:extLst>
+              <a:ext uri="{FF2B5EF4-FFF2-40B4-BE49-F238E27FC236}">
+                <a16:creationId xmlns:a16="http://schemas.microsoft.com/office/drawing/2014/main" id="{E4637F0A-4237-42D2-68AE-01127BA15194}"/>
               </a:ext>
             </a:extLst>
           </p:cNvPr>
@@ -4823,8 +4640,8 @@
         </p:blipFill>
         <p:spPr>
           <a:xfrm>
-            <a:off x="694250" y="1957130"/>
-            <a:ext cx="6187751" cy="4351338"/>
+            <a:off x="152400" y="1640035"/>
+            <a:ext cx="6770236" cy="4755285"/>
           </a:xfrm>
           <a:prstGeom prst="rect">
             <a:avLst/>
@@ -4879,7 +4696,7 @@
         </p:nvSpPr>
         <p:spPr>
           <a:xfrm>
-            <a:off x="838200" y="239251"/>
+            <a:off x="838200" y="32374"/>
             <a:ext cx="10515600" cy="883572"/>
           </a:xfrm>
         </p:spPr>
@@ -4912,15 +4729,35 @@
         </p:nvSpPr>
         <p:spPr>
           <a:xfrm>
-            <a:off x="6823588" y="1297601"/>
-            <a:ext cx="4530212" cy="4879362"/>
+            <a:off x="7860997" y="915946"/>
+            <a:ext cx="4331003" cy="5370429"/>
           </a:xfrm>
         </p:spPr>
         <p:txBody>
-          <a:bodyPr/>
-          <a:lstStyle/>
-          <a:p>
-            <a:endParaRPr lang="en-US" dirty="0"/>
+          <a:bodyPr>
+            <a:normAutofit lnSpcReduction="10000"/>
+          </a:bodyPr>
+          <a:lstStyle/>
+          <a:p>
+            <a:pPr fontAlgn="ctr"/>
+            <a:r>
+              <a:rPr lang="en-US" sz="2400" dirty="0"/>
+              <a:t>The box plots show that high and severe risk users who spend the most also tend to have higher social isolation scores, creating a clear cluster of high spend and high isolation.</a:t>
+            </a:r>
+          </a:p>
+          <a:p>
+            <a:pPr fontAlgn="ctr"/>
+            <a:r>
+              <a:rPr lang="en-US" sz="2400" dirty="0"/>
+              <a:t>This pattern is much weaker among low risk users, who stay mostly in the low‑spend, low‑isolation range.</a:t>
+            </a:r>
+          </a:p>
+          <a:p>
+            <a:pPr fontAlgn="ctr"/>
+            <a:r>
+              <a:rPr lang="en-US" sz="2400" dirty="0"/>
+              <a:t>Because heavy spending is concentrated among more isolated users, relying on this segment for revenue could raise concerns over time.</a:t>
+            </a:r>
           </a:p>
         </p:txBody>
       </p:sp>
@@ -4929,7 +4766,7 @@
           <p:cNvPr id="5" name="Picture 4">
             <a:extLst>
               <a:ext uri="{FF2B5EF4-FFF2-40B4-BE49-F238E27FC236}">
-                <a16:creationId xmlns:a16="http://schemas.microsoft.com/office/drawing/2014/main" id="{A21B82CE-D8B1-F473-0154-228EF07D6CBC}"/>
+                <a16:creationId xmlns:a16="http://schemas.microsoft.com/office/drawing/2014/main" id="{0BCD7F4B-41D3-67CB-8391-7ECD0494403E}"/>
               </a:ext>
             </a:extLst>
           </p:cNvPr>
@@ -4946,8 +4783,8 @@
         </p:blipFill>
         <p:spPr>
           <a:xfrm>
-            <a:off x="366250" y="1297601"/>
-            <a:ext cx="6270523" cy="4409545"/>
+            <a:off x="196495" y="915946"/>
+            <a:ext cx="7371368" cy="5223595"/>
           </a:xfrm>
           <a:prstGeom prst="rect">
             <a:avLst/>
@@ -5040,13 +4877,24 @@
           </a:xfrm>
         </p:spPr>
         <p:txBody>
-          <a:bodyPr/>
+          <a:bodyPr>
+            <a:normAutofit/>
+          </a:bodyPr>
           <a:lstStyle/>
           <a:p>
             <a:pPr marL="0" indent="0">
               <a:buNone/>
             </a:pPr>
-            <a:endParaRPr lang="en-US" dirty="0"/>
+            <a:r>
+              <a:rPr lang="en-US" sz="2400" dirty="0"/>
+              <a:t>Overall, the analysis shows that higher gaming spending consistently aligns with higher behavioral risk, with the biggest spenders frequently appearing in categories tied to elevated addiction risk, negative mood states, reduced in‑person social interaction, and higher social isolation scores. Platforms also play a role, as PC and console show the strongest concentration of severe risk users. Emotional factors further contribute, with users in negative moods spending more, indicating that spending may sometimes function as a coping mechanism rather than entertainment. Across these patterns, revenue appears disproportionately driven by vulnerable users, raising important ethical concerns.</a:t>
+            </a:r>
+          </a:p>
+          <a:p>
+            <a:pPr marL="0" indent="0">
+              <a:buNone/>
+            </a:pPr>
+            <a:endParaRPr lang="en-US" sz="2400" dirty="0"/>
           </a:p>
         </p:txBody>
       </p:sp>

--- a/MSDS670_X40_Data Visualization_AssignmentWk6 - Ilse Severance.pptx
+++ b/MSDS670_X40_Data Visualization_AssignmentWk6 - Ilse Severance.pptx
@@ -266,7 +266,7 @@
           <a:p>
             <a:fld id="{21390B68-90BC-41A7-8C66-2C86ECFC29D1}" type="datetimeFigureOut">
               <a:rPr lang="en-US" smtClean="0"/>
-              <a:t>2/21/2026</a:t>
+              <a:t>2/22/2026</a:t>
             </a:fld>
             <a:endParaRPr lang="en-US"/>
           </a:p>
@@ -464,7 +464,7 @@
           <a:p>
             <a:fld id="{21390B68-90BC-41A7-8C66-2C86ECFC29D1}" type="datetimeFigureOut">
               <a:rPr lang="en-US" smtClean="0"/>
-              <a:t>2/21/2026</a:t>
+              <a:t>2/22/2026</a:t>
             </a:fld>
             <a:endParaRPr lang="en-US"/>
           </a:p>
@@ -672,7 +672,7 @@
           <a:p>
             <a:fld id="{21390B68-90BC-41A7-8C66-2C86ECFC29D1}" type="datetimeFigureOut">
               <a:rPr lang="en-US" smtClean="0"/>
-              <a:t>2/21/2026</a:t>
+              <a:t>2/22/2026</a:t>
             </a:fld>
             <a:endParaRPr lang="en-US"/>
           </a:p>
@@ -870,7 +870,7 @@
           <a:p>
             <a:fld id="{21390B68-90BC-41A7-8C66-2C86ECFC29D1}" type="datetimeFigureOut">
               <a:rPr lang="en-US" smtClean="0"/>
-              <a:t>2/21/2026</a:t>
+              <a:t>2/22/2026</a:t>
             </a:fld>
             <a:endParaRPr lang="en-US"/>
           </a:p>
@@ -1145,7 +1145,7 @@
           <a:p>
             <a:fld id="{21390B68-90BC-41A7-8C66-2C86ECFC29D1}" type="datetimeFigureOut">
               <a:rPr lang="en-US" smtClean="0"/>
-              <a:t>2/21/2026</a:t>
+              <a:t>2/22/2026</a:t>
             </a:fld>
             <a:endParaRPr lang="en-US"/>
           </a:p>
@@ -1410,7 +1410,7 @@
           <a:p>
             <a:fld id="{21390B68-90BC-41A7-8C66-2C86ECFC29D1}" type="datetimeFigureOut">
               <a:rPr lang="en-US" smtClean="0"/>
-              <a:t>2/21/2026</a:t>
+              <a:t>2/22/2026</a:t>
             </a:fld>
             <a:endParaRPr lang="en-US"/>
           </a:p>
@@ -1822,7 +1822,7 @@
           <a:p>
             <a:fld id="{21390B68-90BC-41A7-8C66-2C86ECFC29D1}" type="datetimeFigureOut">
               <a:rPr lang="en-US" smtClean="0"/>
-              <a:t>2/21/2026</a:t>
+              <a:t>2/22/2026</a:t>
             </a:fld>
             <a:endParaRPr lang="en-US"/>
           </a:p>
@@ -1963,7 +1963,7 @@
           <a:p>
             <a:fld id="{21390B68-90BC-41A7-8C66-2C86ECFC29D1}" type="datetimeFigureOut">
               <a:rPr lang="en-US" smtClean="0"/>
-              <a:t>2/21/2026</a:t>
+              <a:t>2/22/2026</a:t>
             </a:fld>
             <a:endParaRPr lang="en-US"/>
           </a:p>
@@ -2076,7 +2076,7 @@
           <a:p>
             <a:fld id="{21390B68-90BC-41A7-8C66-2C86ECFC29D1}" type="datetimeFigureOut">
               <a:rPr lang="en-US" smtClean="0"/>
-              <a:t>2/21/2026</a:t>
+              <a:t>2/22/2026</a:t>
             </a:fld>
             <a:endParaRPr lang="en-US"/>
           </a:p>
@@ -2387,7 +2387,7 @@
           <a:p>
             <a:fld id="{21390B68-90BC-41A7-8C66-2C86ECFC29D1}" type="datetimeFigureOut">
               <a:rPr lang="en-US" smtClean="0"/>
-              <a:t>2/21/2026</a:t>
+              <a:t>2/22/2026</a:t>
             </a:fld>
             <a:endParaRPr lang="en-US"/>
           </a:p>
@@ -2675,7 +2675,7 @@
           <a:p>
             <a:fld id="{21390B68-90BC-41A7-8C66-2C86ECFC29D1}" type="datetimeFigureOut">
               <a:rPr lang="en-US" smtClean="0"/>
-              <a:t>2/21/2026</a:t>
+              <a:t>2/22/2026</a:t>
             </a:fld>
             <a:endParaRPr lang="en-US"/>
           </a:p>
@@ -2916,7 +2916,7 @@
           <a:p>
             <a:fld id="{21390B68-90BC-41A7-8C66-2C86ECFC29D1}" type="datetimeFigureOut">
               <a:rPr lang="en-US" smtClean="0"/>
-              <a:t>2/21/2026</a:t>
+              <a:t>2/22/2026</a:t>
             </a:fld>
             <a:endParaRPr lang="en-US"/>
           </a:p>
